--- a/Case Study NER.pptx
+++ b/Case Study NER.pptx
@@ -314,7 +314,7 @@
           <a:p>
             <a:fld id="{E645F7D3-DB63-4E51-995E-EEC9BD63799F}" type="datetimeFigureOut">
               <a:rPr lang="en-US" smtClean="0"/>
-              <a:t>03-Feb-25</a:t>
+              <a:t>05-Feb-25</a:t>
             </a:fld>
             <a:endParaRPr lang="en-US"/>
           </a:p>
@@ -589,7 +589,7 @@
           <a:p>
             <a:fld id="{E645F7D3-DB63-4E51-995E-EEC9BD63799F}" type="datetimeFigureOut">
               <a:rPr lang="en-US" smtClean="0"/>
-              <a:t>03-Feb-25</a:t>
+              <a:t>05-Feb-25</a:t>
             </a:fld>
             <a:endParaRPr lang="en-US"/>
           </a:p>
@@ -783,7 +783,7 @@
           <a:p>
             <a:fld id="{E645F7D3-DB63-4E51-995E-EEC9BD63799F}" type="datetimeFigureOut">
               <a:rPr lang="en-US" smtClean="0"/>
-              <a:t>03-Feb-25</a:t>
+              <a:t>05-Feb-25</a:t>
             </a:fld>
             <a:endParaRPr lang="en-US"/>
           </a:p>
@@ -1056,7 +1056,7 @@
           <a:p>
             <a:fld id="{E645F7D3-DB63-4E51-995E-EEC9BD63799F}" type="datetimeFigureOut">
               <a:rPr lang="en-US" smtClean="0"/>
-              <a:t>03-Feb-25</a:t>
+              <a:t>05-Feb-25</a:t>
             </a:fld>
             <a:endParaRPr lang="en-US"/>
           </a:p>
@@ -1397,7 +1397,7 @@
           <a:p>
             <a:fld id="{E645F7D3-DB63-4E51-995E-EEC9BD63799F}" type="datetimeFigureOut">
               <a:rPr lang="en-US" smtClean="0"/>
-              <a:t>03-Feb-25</a:t>
+              <a:t>05-Feb-25</a:t>
             </a:fld>
             <a:endParaRPr lang="en-US"/>
           </a:p>
@@ -2020,7 +2020,7 @@
           <a:p>
             <a:fld id="{E645F7D3-DB63-4E51-995E-EEC9BD63799F}" type="datetimeFigureOut">
               <a:rPr lang="en-US" smtClean="0"/>
-              <a:t>03-Feb-25</a:t>
+              <a:t>05-Feb-25</a:t>
             </a:fld>
             <a:endParaRPr lang="en-US"/>
           </a:p>
@@ -2880,7 +2880,7 @@
           <a:p>
             <a:fld id="{E645F7D3-DB63-4E51-995E-EEC9BD63799F}" type="datetimeFigureOut">
               <a:rPr lang="en-US" smtClean="0"/>
-              <a:t>03-Feb-25</a:t>
+              <a:t>05-Feb-25</a:t>
             </a:fld>
             <a:endParaRPr lang="en-US"/>
           </a:p>
@@ -3050,7 +3050,7 @@
           <a:p>
             <a:fld id="{E645F7D3-DB63-4E51-995E-EEC9BD63799F}" type="datetimeFigureOut">
               <a:rPr lang="en-US" smtClean="0"/>
-              <a:t>03-Feb-25</a:t>
+              <a:t>05-Feb-25</a:t>
             </a:fld>
             <a:endParaRPr lang="en-US"/>
           </a:p>
@@ -3230,7 +3230,7 @@
           <a:p>
             <a:fld id="{E645F7D3-DB63-4E51-995E-EEC9BD63799F}" type="datetimeFigureOut">
               <a:rPr lang="en-US" smtClean="0"/>
-              <a:t>03-Feb-25</a:t>
+              <a:t>05-Feb-25</a:t>
             </a:fld>
             <a:endParaRPr lang="en-US"/>
           </a:p>
@@ -3400,7 +3400,7 @@
           <a:p>
             <a:fld id="{E645F7D3-DB63-4E51-995E-EEC9BD63799F}" type="datetimeFigureOut">
               <a:rPr lang="en-US" smtClean="0"/>
-              <a:t>03-Feb-25</a:t>
+              <a:t>05-Feb-25</a:t>
             </a:fld>
             <a:endParaRPr lang="en-US"/>
           </a:p>
@@ -3647,7 +3647,7 @@
           <a:p>
             <a:fld id="{E645F7D3-DB63-4E51-995E-EEC9BD63799F}" type="datetimeFigureOut">
               <a:rPr lang="en-US" smtClean="0"/>
-              <a:t>03-Feb-25</a:t>
+              <a:t>05-Feb-25</a:t>
             </a:fld>
             <a:endParaRPr lang="en-US"/>
           </a:p>
@@ -3939,7 +3939,7 @@
           <a:p>
             <a:fld id="{E645F7D3-DB63-4E51-995E-EEC9BD63799F}" type="datetimeFigureOut">
               <a:rPr lang="en-US" smtClean="0"/>
-              <a:t>03-Feb-25</a:t>
+              <a:t>05-Feb-25</a:t>
             </a:fld>
             <a:endParaRPr lang="en-US"/>
           </a:p>
@@ -4383,7 +4383,7 @@
           <a:p>
             <a:fld id="{E645F7D3-DB63-4E51-995E-EEC9BD63799F}" type="datetimeFigureOut">
               <a:rPr lang="en-US" smtClean="0"/>
-              <a:t>03-Feb-25</a:t>
+              <a:t>05-Feb-25</a:t>
             </a:fld>
             <a:endParaRPr lang="en-US"/>
           </a:p>
@@ -4501,7 +4501,7 @@
           <a:p>
             <a:fld id="{E645F7D3-DB63-4E51-995E-EEC9BD63799F}" type="datetimeFigureOut">
               <a:rPr lang="en-US" smtClean="0"/>
-              <a:t>03-Feb-25</a:t>
+              <a:t>05-Feb-25</a:t>
             </a:fld>
             <a:endParaRPr lang="en-US"/>
           </a:p>
@@ -4596,7 +4596,7 @@
           <a:p>
             <a:fld id="{E645F7D3-DB63-4E51-995E-EEC9BD63799F}" type="datetimeFigureOut">
               <a:rPr lang="en-US" smtClean="0"/>
-              <a:t>03-Feb-25</a:t>
+              <a:t>05-Feb-25</a:t>
             </a:fld>
             <a:endParaRPr lang="en-US"/>
           </a:p>
@@ -4875,7 +4875,7 @@
           <a:p>
             <a:fld id="{E645F7D3-DB63-4E51-995E-EEC9BD63799F}" type="datetimeFigureOut">
               <a:rPr lang="en-US" smtClean="0"/>
-              <a:t>03-Feb-25</a:t>
+              <a:t>05-Feb-25</a:t>
             </a:fld>
             <a:endParaRPr lang="en-US"/>
           </a:p>
@@ -5150,7 +5150,7 @@
           <a:p>
             <a:fld id="{E645F7D3-DB63-4E51-995E-EEC9BD63799F}" type="datetimeFigureOut">
               <a:rPr lang="en-US" smtClean="0"/>
-              <a:t>03-Feb-25</a:t>
+              <a:t>05-Feb-25</a:t>
             </a:fld>
             <a:endParaRPr lang="en-US"/>
           </a:p>
@@ -5579,7 +5579,7 @@
           <a:p>
             <a:fld id="{E645F7D3-DB63-4E51-995E-EEC9BD63799F}" type="datetimeFigureOut">
               <a:rPr lang="en-US" smtClean="0"/>
-              <a:t>03-Feb-25</a:t>
+              <a:t>05-Feb-25</a:t>
             </a:fld>
             <a:endParaRPr lang="en-US"/>
           </a:p>
@@ -6649,21 +6649,21 @@
                 <a:latin typeface="Times New Roman" panose="02020603050405020304" pitchFamily="18" charset="0"/>
                 <a:cs typeface="Times New Roman" panose="02020603050405020304" pitchFamily="18" charset="0"/>
               </a:rPr>
-              <a:t>specifies the optimization algorithm used for training the CRF </a:t>
-            </a:r>
-            <a:r>
-              <a:rPr lang="en-US" sz="1800" dirty="0" err="1">
-                <a:latin typeface="Times New Roman" panose="02020603050405020304" pitchFamily="18" charset="0"/>
-                <a:cs typeface="Times New Roman" panose="02020603050405020304" pitchFamily="18" charset="0"/>
-              </a:rPr>
-              <a:t>model.L</a:t>
+              <a:t>specifies the optimization algorithm used for training the CRF model</a:t>
+            </a:r>
+            <a:r>
+              <a:rPr lang="en-US" sz="1800" dirty="0" smtClean="0">
+                <a:latin typeface="Times New Roman" panose="02020603050405020304" pitchFamily="18" charset="0"/>
+                <a:cs typeface="Times New Roman" panose="02020603050405020304" pitchFamily="18" charset="0"/>
+              </a:rPr>
+              <a:t>. L-BFGS </a:t>
             </a:r>
             <a:r>
               <a:rPr lang="en-US" sz="1800" dirty="0">
                 <a:latin typeface="Times New Roman" panose="02020603050405020304" pitchFamily="18" charset="0"/>
                 <a:cs typeface="Times New Roman" panose="02020603050405020304" pitchFamily="18" charset="0"/>
               </a:rPr>
-              <a:t>-BFGS stands for Limited-memory </a:t>
+              <a:t>stands for Limited-memory </a:t>
             </a:r>
             <a:r>
               <a:rPr lang="en-US" sz="1800" dirty="0" err="1">
@@ -6718,7 +6718,21 @@
                 <a:latin typeface="Times New Roman" panose="02020603050405020304" pitchFamily="18" charset="0"/>
                 <a:cs typeface="Times New Roman" panose="02020603050405020304" pitchFamily="18" charset="0"/>
               </a:rPr>
-              <a:t>is the coefficient for L1 regularization.L1 regularization helps prevent overfitting by penalizing the absolute values of the model parameters, effectively encouraging sparsity (i.e., some parameters become zero, making the model simpler</a:t>
+              <a:t>is the coefficient for L1 regularization</a:t>
+            </a:r>
+            <a:r>
+              <a:rPr lang="en-US" sz="1800" dirty="0" smtClean="0">
+                <a:latin typeface="Times New Roman" panose="02020603050405020304" pitchFamily="18" charset="0"/>
+                <a:cs typeface="Times New Roman" panose="02020603050405020304" pitchFamily="18" charset="0"/>
+              </a:rPr>
+              <a:t>. L1 </a:t>
+            </a:r>
+            <a:r>
+              <a:rPr lang="en-US" sz="1800" dirty="0">
+                <a:latin typeface="Times New Roman" panose="02020603050405020304" pitchFamily="18" charset="0"/>
+                <a:cs typeface="Times New Roman" panose="02020603050405020304" pitchFamily="18" charset="0"/>
+              </a:rPr>
+              <a:t>regularization helps prevent overfitting by penalizing the absolute values of the model parameters, effectively encouraging sparsity (i.e., some parameters become zero, making the model simpler</a:t>
             </a:r>
             <a:r>
               <a:rPr lang="en-US" sz="1800" dirty="0" smtClean="0">
@@ -6745,7 +6759,28 @@
                 <a:latin typeface="Times New Roman" panose="02020603050405020304" pitchFamily="18" charset="0"/>
                 <a:cs typeface="Times New Roman" panose="02020603050405020304" pitchFamily="18" charset="0"/>
               </a:rPr>
-              <a:t>is the coefficient for L2 regularization.L2 regularization helps prevent overfitting by penalizing the squared values of the model parameters. It discourages the model from fitting to noise in the training data by shrinking the parameters towards zero, but not exactly zero</a:t>
+              <a:t>is the coefficient for L2 </a:t>
+            </a:r>
+            <a:r>
+              <a:rPr lang="en-US" sz="1800">
+                <a:latin typeface="Times New Roman" panose="02020603050405020304" pitchFamily="18" charset="0"/>
+                <a:cs typeface="Times New Roman" panose="02020603050405020304" pitchFamily="18" charset="0"/>
+              </a:rPr>
+              <a:t>regularization</a:t>
+            </a:r>
+            <a:r>
+              <a:rPr lang="en-US" sz="1800" smtClean="0">
+                <a:latin typeface="Times New Roman" panose="02020603050405020304" pitchFamily="18" charset="0"/>
+                <a:cs typeface="Times New Roman" panose="02020603050405020304" pitchFamily="18" charset="0"/>
+              </a:rPr>
+              <a:t>. L2 </a:t>
+            </a:r>
+            <a:r>
+              <a:rPr lang="en-US" sz="1800" dirty="0">
+                <a:latin typeface="Times New Roman" panose="02020603050405020304" pitchFamily="18" charset="0"/>
+                <a:cs typeface="Times New Roman" panose="02020603050405020304" pitchFamily="18" charset="0"/>
+              </a:rPr>
+              <a:t>regularization helps prevent overfitting by penalizing the squared values of the model parameters. It discourages the model from fitting to noise in the training data by shrinking the parameters towards zero, but not exactly zero</a:t>
             </a:r>
             <a:r>
               <a:rPr lang="en-US" sz="1800" dirty="0" smtClean="0">
@@ -10225,10 +10260,6 @@
               </a:rPr>
               <a:t>Increased robustness to unseen data</a:t>
             </a:r>
-            <a:endParaRPr lang="en-US" sz="1800" dirty="0">
-              <a:latin typeface="Times New Roman" panose="02020603050405020304" pitchFamily="18" charset="0"/>
-              <a:cs typeface="Times New Roman" panose="02020603050405020304" pitchFamily="18" charset="0"/>
-            </a:endParaRPr>
           </a:p>
         </p:txBody>
       </p:sp>
@@ -10539,42 +10570,7 @@
                 <a:latin typeface="Times New Roman" panose="02020603050405020304" pitchFamily="18" charset="0"/>
                 <a:cs typeface="Times New Roman" panose="02020603050405020304" pitchFamily="18" charset="0"/>
               </a:rPr>
-              <a:t>2. How to Perform Canary </a:t>
-            </a:r>
-            <a:r>
-              <a:rPr lang="en-US" sz="1800" dirty="0">
-                <a:latin typeface="Times New Roman" panose="02020603050405020304" pitchFamily="18" charset="0"/>
-                <a:cs typeface="Times New Roman" panose="02020603050405020304" pitchFamily="18" charset="0"/>
-              </a:rPr>
-              <a:t>Build: Canary </a:t>
-            </a:r>
-            <a:r>
-              <a:rPr lang="en-US" sz="1800" dirty="0">
-                <a:latin typeface="Times New Roman" panose="02020603050405020304" pitchFamily="18" charset="0"/>
-                <a:cs typeface="Times New Roman" panose="02020603050405020304" pitchFamily="18" charset="0"/>
-              </a:rPr>
-              <a:t>builds involve rolling out a new version of your application to a small subset of users before deploying it to everyone. Here's how </a:t>
-            </a:r>
-            <a:r>
-              <a:rPr lang="en-US" sz="1800" dirty="0">
-                <a:latin typeface="Times New Roman" panose="02020603050405020304" pitchFamily="18" charset="0"/>
-                <a:cs typeface="Times New Roman" panose="02020603050405020304" pitchFamily="18" charset="0"/>
-              </a:rPr>
-              <a:t>to </a:t>
-            </a:r>
-            <a:r>
-              <a:rPr lang="en-US" sz="1800" dirty="0">
-                <a:latin typeface="Times New Roman" panose="02020603050405020304" pitchFamily="18" charset="0"/>
-                <a:cs typeface="Times New Roman" panose="02020603050405020304" pitchFamily="18" charset="0"/>
-              </a:rPr>
-              <a:t>do it</a:t>
-            </a:r>
-            <a:r>
-              <a:rPr lang="en-US" sz="1800" dirty="0">
-                <a:latin typeface="Times New Roman" panose="02020603050405020304" pitchFamily="18" charset="0"/>
-                <a:cs typeface="Times New Roman" panose="02020603050405020304" pitchFamily="18" charset="0"/>
-              </a:rPr>
-              <a:t>:</a:t>
+              <a:t>2. How to Perform Canary Build: Canary builds involve rolling out a new version of your application to a small subset of users before deploying it to everyone. Here's how to do it:</a:t>
             </a:r>
           </a:p>
           <a:p>
@@ -13177,14 +13173,7 @@
                 <a:latin typeface="Times New Roman" panose="02020603050405020304" pitchFamily="18" charset="0"/>
                 <a:cs typeface="Times New Roman" panose="02020603050405020304" pitchFamily="18" charset="0"/>
               </a:rPr>
-              <a:t>2. NER</a:t>
-            </a:r>
-            <a:r>
-              <a:rPr lang="en-US" sz="3600" dirty="0" smtClean="0">
-                <a:latin typeface="Times New Roman" panose="02020603050405020304" pitchFamily="18" charset="0"/>
-                <a:cs typeface="Times New Roman" panose="02020603050405020304" pitchFamily="18" charset="0"/>
-              </a:rPr>
-              <a:t>_Dataset.csv</a:t>
+              <a:t>2. NER_Dataset.csv</a:t>
             </a:r>
             <a:endParaRPr lang="en-US" sz="3600" dirty="0">
               <a:latin typeface="Times New Roman" panose="02020603050405020304" pitchFamily="18" charset="0"/>
@@ -13284,6 +13273,37 @@
               </a:rPr>
               <a:t>)</a:t>
             </a:r>
+          </a:p>
+          <a:p>
+            <a:pPr algn="just"/>
+            <a:r>
+              <a:rPr lang="en-US" dirty="0">
+                <a:latin typeface="Times New Roman" panose="02020603050405020304" pitchFamily="18" charset="0"/>
+                <a:cs typeface="Times New Roman" panose="02020603050405020304" pitchFamily="18" charset="0"/>
+              </a:rPr>
+              <a:t>We have 47959 sentences that contain 35178 unique words</a:t>
+            </a:r>
+            <a:r>
+              <a:rPr lang="en-US" dirty="0" smtClean="0">
+                <a:latin typeface="Times New Roman" panose="02020603050405020304" pitchFamily="18" charset="0"/>
+                <a:cs typeface="Times New Roman" panose="02020603050405020304" pitchFamily="18" charset="0"/>
+              </a:rPr>
+              <a:t>.</a:t>
+            </a:r>
+            <a:endParaRPr lang="en-US" dirty="0">
+              <a:latin typeface="Times New Roman" panose="02020603050405020304" pitchFamily="18" charset="0"/>
+              <a:cs typeface="Times New Roman" panose="02020603050405020304" pitchFamily="18" charset="0"/>
+            </a:endParaRPr>
+          </a:p>
+          <a:p>
+            <a:pPr algn="just"/>
+            <a:r>
+              <a:rPr lang="en-US" dirty="0">
+                <a:latin typeface="Times New Roman" panose="02020603050405020304" pitchFamily="18" charset="0"/>
+                <a:cs typeface="Times New Roman" panose="02020603050405020304" pitchFamily="18" charset="0"/>
+              </a:rPr>
+              <a:t>These sentences have a total of 42 unique POS tags and 17 unique NER tags in total.</a:t>
+            </a:r>
             <a:endParaRPr lang="en-US" dirty="0" smtClean="0">
               <a:latin typeface="Times New Roman" panose="02020603050405020304" pitchFamily="18" charset="0"/>
               <a:cs typeface="Times New Roman" panose="02020603050405020304" pitchFamily="18" charset="0"/>
@@ -13292,79 +13312,12 @@
           <a:p>
             <a:pPr algn="just"/>
             <a:r>
-              <a:rPr lang="en-US" dirty="0">
-                <a:latin typeface="Times New Roman" panose="02020603050405020304" pitchFamily="18" charset="0"/>
-                <a:cs typeface="Times New Roman" panose="02020603050405020304" pitchFamily="18" charset="0"/>
-              </a:rPr>
-              <a:t>We have 47959 sentences that contain 35178 unique words</a:t>
-            </a:r>
-            <a:r>
               <a:rPr lang="en-US" dirty="0" smtClean="0">
                 <a:latin typeface="Times New Roman" panose="02020603050405020304" pitchFamily="18" charset="0"/>
                 <a:cs typeface="Times New Roman" panose="02020603050405020304" pitchFamily="18" charset="0"/>
               </a:rPr>
-              <a:t>.</a:t>
-            </a:r>
-            <a:endParaRPr lang="en-US" dirty="0">
-              <a:latin typeface="Times New Roman" panose="02020603050405020304" pitchFamily="18" charset="0"/>
-              <a:cs typeface="Times New Roman" panose="02020603050405020304" pitchFamily="18" charset="0"/>
-            </a:endParaRPr>
-          </a:p>
-          <a:p>
-            <a:pPr algn="just"/>
-            <a:r>
-              <a:rPr lang="en-US" dirty="0">
-                <a:latin typeface="Times New Roman" panose="02020603050405020304" pitchFamily="18" charset="0"/>
-                <a:cs typeface="Times New Roman" panose="02020603050405020304" pitchFamily="18" charset="0"/>
-              </a:rPr>
-              <a:t>These sentences have a total of 42 unique POS tags and 17 unique NER tags in total.</a:t>
-            </a:r>
-            <a:endParaRPr lang="en-US" dirty="0" smtClean="0">
-              <a:latin typeface="Times New Roman" panose="02020603050405020304" pitchFamily="18" charset="0"/>
-              <a:cs typeface="Times New Roman" panose="02020603050405020304" pitchFamily="18" charset="0"/>
-            </a:endParaRPr>
-          </a:p>
-          <a:p>
-            <a:pPr algn="just"/>
-            <a:r>
-              <a:rPr lang="en-US" dirty="0" smtClean="0">
-                <a:latin typeface="Times New Roman" panose="02020603050405020304" pitchFamily="18" charset="0"/>
-                <a:cs typeface="Times New Roman" panose="02020603050405020304" pitchFamily="18" charset="0"/>
-              </a:rPr>
-              <a:t>Sentence – [</a:t>
-            </a:r>
-            <a:r>
-              <a:rPr lang="en-US" dirty="0" smtClean="0">
-                <a:latin typeface="Times New Roman" panose="02020603050405020304" pitchFamily="18" charset="0"/>
-                <a:cs typeface="Times New Roman" panose="02020603050405020304" pitchFamily="18" charset="0"/>
-              </a:rPr>
-              <a:t>1,2,3,…4,7959</a:t>
-            </a:r>
-            <a:r>
-              <a:rPr lang="en-US" dirty="0" smtClean="0">
-                <a:latin typeface="Times New Roman" panose="02020603050405020304" pitchFamily="18" charset="0"/>
-                <a:cs typeface="Times New Roman" panose="02020603050405020304" pitchFamily="18" charset="0"/>
-              </a:rPr>
-              <a:t>] part of a multiple news articles based on politics, foreign affairs, sports</a:t>
-            </a:r>
-            <a:r>
-              <a:rPr lang="en-US" dirty="0" smtClean="0">
-                <a:latin typeface="Times New Roman" panose="02020603050405020304" pitchFamily="18" charset="0"/>
-                <a:cs typeface="Times New Roman" panose="02020603050405020304" pitchFamily="18" charset="0"/>
-              </a:rPr>
-              <a:t>, events </a:t>
-            </a:r>
-            <a:r>
-              <a:rPr lang="en-US" dirty="0" smtClean="0">
-                <a:latin typeface="Times New Roman" panose="02020603050405020304" pitchFamily="18" charset="0"/>
-                <a:cs typeface="Times New Roman" panose="02020603050405020304" pitchFamily="18" charset="0"/>
-              </a:rPr>
-              <a:t>etc. </a:t>
-            </a:r>
-            <a:endParaRPr lang="en-US" dirty="0" smtClean="0">
-              <a:latin typeface="Times New Roman" panose="02020603050405020304" pitchFamily="18" charset="0"/>
-              <a:cs typeface="Times New Roman" panose="02020603050405020304" pitchFamily="18" charset="0"/>
-            </a:endParaRPr>
+              <a:t>Sentence – [1,2,3,…4,7959] part of a multiple news articles based on politics, foreign affairs, sports, events etc. </a:t>
+            </a:r>
           </a:p>
           <a:p>
             <a:pPr algn="just"/>
